--- a/data/pptx_online/008_Obitelj_brak_i_srodstvo_online.pptx
+++ b/data/pptx_online/008_Obitelj_brak_i_srodstvo_online.pptx
@@ -5,7 +5,7 @@
     <p:sldMasterId id="2147483660" r:id="rId1"/>
   </p:sldMasterIdLst>
   <p:notesMasterIdLst>
-    <p:notesMasterId r:id="rId20"/>
+    <p:notesMasterId r:id="rId21"/>
   </p:notesMasterIdLst>
   <p:sldIdLst>
     <p:sldId id="256" r:id="rId2"/>
@@ -26,6 +26,7 @@
     <p:sldId id="271" r:id="rId17"/>
     <p:sldId id="272" r:id="rId18"/>
     <p:sldId id="278" r:id="rId19"/>
+    <p:sldId id="281" r:id="rId20"/>
   </p:sldIdLst>
   <p:sldSz cx="9144000" cy="6858000" type="screen4x3"/>
   <p:notesSz cx="7772400" cy="10058400"/>
@@ -1536,6 +1537,137 @@
             <a:endParaRPr lang="sr-Latn-CS" smtClean="0">
               <a:latin typeface="Times New Roman" pitchFamily="18" charset="0"/>
             </a:endParaRPr>
+          </a:p>
+        </p:txBody>
+      </p:sp>
+    </p:spTree>
+  </p:cSld>
+  <p:clrMapOvr>
+    <a:masterClrMapping/>
+  </p:clrMapOvr>
+</p:notes>
+</file>
+
+<file path=ppt/notesSlides/notesSlide16.xml><?xml version="1.0" encoding="utf-8"?>
+<p:notes xmlns:a="http://schemas.openxmlformats.org/drawingml/2006/main" xmlns:r="http://schemas.openxmlformats.org/officeDocument/2006/relationships" xmlns:p="http://schemas.openxmlformats.org/presentationml/2006/main">
+  <p:cSld>
+    <p:bg>
+      <p:bgPr>
+        <a:solidFill>
+          <a:srgbClr val="FFFFFF"/>
+        </a:solidFill>
+        <a:effectLst/>
+      </p:bgPr>
+    </p:bg>
+    <p:spTree>
+      <p:nvGrpSpPr>
+        <p:cNvPr id="1" name=""/>
+        <p:cNvGrpSpPr/>
+        <p:nvPr/>
+      </p:nvGrpSpPr>
+      <p:grpSpPr>
+        <a:xfrm>
+          <a:off x="0" y="0"/>
+          <a:ext cx="0" cy="0"/>
+          <a:chOff x="0" y="0"/>
+          <a:chExt cx="0" cy="0"/>
+        </a:xfrm>
+      </p:grpSpPr>
+      <p:sp>
+        <p:nvSpPr>
+          <p:cNvPr id="7" name="Rectangle 6"/>
+          <p:cNvSpPr>
+            <a:spLocks noGrp="1" noChangeArrowheads="1"/>
+          </p:cNvSpPr>
+          <p:nvPr>
+            <p:ph type="sldNum"/>
+          </p:nvPr>
+        </p:nvSpPr>
+        <p:spPr>
+          <a:ln/>
+        </p:spPr>
+        <p:txBody>
+          <a:bodyPr/>
+          <a:lstStyle/>
+          <a:p>
+            <a:fld id="{F3D0B6CC-DF53-4B3F-A43C-5B2C8B835909}" type="slidenum">
+              <a:rPr lang="en-US">
+                <a:solidFill>
+                  <a:prstClr val="black"/>
+                </a:solidFill>
+              </a:rPr>
+              <a:pPr/>
+              <a:t>19</a:t>
+            </a:fld>
+            <a:endParaRPr lang="en-US">
+              <a:solidFill>
+                <a:prstClr val="black"/>
+              </a:solidFill>
+            </a:endParaRPr>
+          </a:p>
+        </p:txBody>
+      </p:sp>
+      <p:sp>
+        <p:nvSpPr>
+          <p:cNvPr id="50177" name="Rectangle 1"/>
+          <p:cNvSpPr txBox="1">
+            <a:spLocks noGrp="1" noRot="1" noChangeAspect="1" noChangeArrowheads="1"/>
+          </p:cNvSpPr>
+          <p:nvPr>
+            <p:ph type="sldImg"/>
+          </p:nvPr>
+        </p:nvSpPr>
+        <p:spPr bwMode="auto">
+          <a:xfrm>
+            <a:off x="1371600" y="763588"/>
+            <a:ext cx="5029200" cy="3771900"/>
+          </a:xfrm>
+          <a:prstGeom prst="rect">
+            <a:avLst/>
+          </a:prstGeom>
+          <a:solidFill>
+            <a:srgbClr val="FFFFFF"/>
+          </a:solidFill>
+          <a:ln>
+            <a:solidFill>
+              <a:srgbClr val="000000"/>
+            </a:solidFill>
+            <a:miter lim="800000"/>
+            <a:headEnd/>
+            <a:tailEnd/>
+          </a:ln>
+        </p:spPr>
+      </p:sp>
+      <p:sp>
+        <p:nvSpPr>
+          <p:cNvPr id="50178" name="Rectangle 2"/>
+          <p:cNvSpPr txBox="1">
+            <a:spLocks noGrp="1" noChangeArrowheads="1"/>
+          </p:cNvSpPr>
+          <p:nvPr>
+            <p:ph type="body" idx="1"/>
+          </p:nvPr>
+        </p:nvSpPr>
+        <p:spPr bwMode="auto">
+          <a:xfrm>
+            <a:off x="777875" y="4776789"/>
+            <a:ext cx="6218238" cy="4525962"/>
+          </a:xfrm>
+          <a:prstGeom prst="rect">
+            <a:avLst/>
+          </a:prstGeom>
+          <a:noFill/>
+          <a:ln>
+            <a:round/>
+            <a:headEnd/>
+            <a:tailEnd/>
+          </a:ln>
+        </p:spPr>
+        <p:txBody>
+          <a:bodyPr wrap="none" anchor="ctr"/>
+          <a:lstStyle/>
+          <a:p>
+            <a:endParaRPr lang="sr-Latn-CS"/>
           </a:p>
         </p:txBody>
       </p:sp>
@@ -11631,7 +11763,7 @@
 </file>
 
 <file path=ppt/slides/slide14.xml><?xml version="1.0" encoding="utf-8"?>
-<p:sld xmlns:a="http://schemas.openxmlformats.org/drawingml/2006/main" xmlns:r="http://schemas.openxmlformats.org/officeDocument/2006/relationships" xmlns:p="http://schemas.openxmlformats.org/presentationml/2006/main" show="0">
+<p:sld xmlns:a="http://schemas.openxmlformats.org/drawingml/2006/main" xmlns:r="http://schemas.openxmlformats.org/officeDocument/2006/relationships" xmlns:p="http://schemas.openxmlformats.org/presentationml/2006/main">
   <p:cSld>
     <p:spTree>
       <p:nvGrpSpPr>
@@ -19992,6 +20124,351 @@
       <p:bldP spid="27" grpId="0" animBg="1"/>
       <p:bldP spid="28" grpId="0" animBg="1"/>
     </p:bldLst>
+  </p:timing>
+</p:sld>
+</file>
+
+<file path=ppt/slides/slide19.xml><?xml version="1.0" encoding="utf-8"?>
+<p:sld xmlns:a="http://schemas.openxmlformats.org/drawingml/2006/main" xmlns:r="http://schemas.openxmlformats.org/officeDocument/2006/relationships" xmlns:p="http://schemas.openxmlformats.org/presentationml/2006/main">
+  <p:cSld>
+    <p:spTree>
+      <p:nvGrpSpPr>
+        <p:cNvPr id="1" name=""/>
+        <p:cNvGrpSpPr/>
+        <p:nvPr/>
+      </p:nvGrpSpPr>
+      <p:grpSpPr>
+        <a:xfrm>
+          <a:off x="0" y="0"/>
+          <a:ext cx="0" cy="0"/>
+          <a:chOff x="0" y="0"/>
+          <a:chExt cx="0" cy="0"/>
+        </a:xfrm>
+      </p:grpSpPr>
+      <p:sp>
+        <p:nvSpPr>
+          <p:cNvPr id="24577" name="Rectangle 1"/>
+          <p:cNvSpPr>
+            <a:spLocks noChangeArrowheads="1"/>
+          </p:cNvSpPr>
+          <p:nvPr/>
+        </p:nvSpPr>
+        <p:spPr bwMode="auto">
+          <a:xfrm>
+            <a:off x="9382" y="260648"/>
+            <a:ext cx="8929687" cy="654048"/>
+          </a:xfrm>
+          <a:prstGeom prst="rect">
+            <a:avLst/>
+          </a:prstGeom>
+          <a:noFill/>
+          <a:ln w="9525">
+            <a:noFill/>
+            <a:round/>
+            <a:headEnd/>
+            <a:tailEnd/>
+          </a:ln>
+          <a:effectLst/>
+        </p:spPr>
+        <p:txBody>
+          <a:bodyPr lIns="90000" tIns="45000" rIns="90000" bIns="45000" anchor="ctr"/>
+          <a:lstStyle/>
+          <a:p>
+            <a:pPr algn="ctr" defTabSz="914400" fontAlgn="auto">
+              <a:lnSpc>
+                <a:spcPts val="3200"/>
+              </a:lnSpc>
+              <a:spcBef>
+                <a:spcPts val="0"/>
+              </a:spcBef>
+              <a:spcAft>
+                <a:spcPts val="0"/>
+              </a:spcAft>
+              <a:tabLst>
+                <a:tab pos="723900" algn="l"/>
+                <a:tab pos="1447800" algn="l"/>
+                <a:tab pos="2171700" algn="l"/>
+                <a:tab pos="2895600" algn="l"/>
+                <a:tab pos="3619500" algn="l"/>
+                <a:tab pos="4343400" algn="l"/>
+                <a:tab pos="5067300" algn="l"/>
+                <a:tab pos="5791200" algn="l"/>
+                <a:tab pos="6515100" algn="l"/>
+                <a:tab pos="7239000" algn="l"/>
+                <a:tab pos="7962900" algn="l"/>
+                <a:tab pos="8686800" algn="l"/>
+              </a:tabLst>
+            </a:pPr>
+            <a:r>
+              <a:rPr lang="hr-HR" sz="3600" b="1" dirty="0" smtClean="0">
+                <a:solidFill>
+                  <a:srgbClr val="FFC000"/>
+                </a:solidFill>
+                <a:effectLst>
+                  <a:outerShdw blurRad="38100" dist="38100" dir="2700000" algn="tl">
+                    <a:srgbClr val="000000">
+                      <a:alpha val="43137"/>
+                    </a:srgbClr>
+                  </a:outerShdw>
+                </a:effectLst>
+                <a:latin typeface="Calibri" pitchFamily="34" charset="0"/>
+                <a:ea typeface="WenQuanYi Micro Hei" charset="0"/>
+                <a:cs typeface="Calibri" pitchFamily="34" charset="0"/>
+              </a:rPr>
+              <a:t>KORISNI LINKOVI 				</a:t>
+            </a:r>
+            <a:r>
+              <a:rPr lang="hr-HR" sz="2400" i="1" dirty="0" smtClean="0">
+                <a:solidFill>
+                  <a:srgbClr val="FFC000"/>
+                </a:solidFill>
+                <a:effectLst>
+                  <a:outerShdw blurRad="38100" dist="38100" dir="2700000" algn="tl">
+                    <a:srgbClr val="000000">
+                      <a:alpha val="43137"/>
+                    </a:srgbClr>
+                  </a:outerShdw>
+                </a:effectLst>
+                <a:latin typeface="Calibri" pitchFamily="34" charset="0"/>
+                <a:ea typeface="WenQuanYi Micro Hei" charset="0"/>
+                <a:cs typeface="Calibri" pitchFamily="34" charset="0"/>
+              </a:rPr>
+              <a:t>(za lakše učenje)</a:t>
+            </a:r>
+            <a:endParaRPr lang="en-US" sz="2400" i="1" dirty="0">
+              <a:solidFill>
+                <a:srgbClr val="FFC000"/>
+              </a:solidFill>
+              <a:effectLst>
+                <a:outerShdw blurRad="38100" dist="38100" dir="2700000" algn="tl">
+                  <a:srgbClr val="000000">
+                    <a:alpha val="43137"/>
+                  </a:srgbClr>
+                </a:outerShdw>
+              </a:effectLst>
+              <a:latin typeface="Calibri" pitchFamily="34" charset="0"/>
+              <a:ea typeface="WenQuanYi Micro Hei" charset="0"/>
+              <a:cs typeface="Calibri" pitchFamily="34" charset="0"/>
+            </a:endParaRPr>
+          </a:p>
+        </p:txBody>
+      </p:sp>
+      <p:sp>
+        <p:nvSpPr>
+          <p:cNvPr id="24" name="Rectangle 2"/>
+          <p:cNvSpPr>
+            <a:spLocks noChangeArrowheads="1"/>
+          </p:cNvSpPr>
+          <p:nvPr/>
+        </p:nvSpPr>
+        <p:spPr bwMode="auto">
+          <a:xfrm>
+            <a:off x="1" y="914696"/>
+            <a:ext cx="9143999" cy="5800452"/>
+          </a:xfrm>
+          <a:prstGeom prst="rect">
+            <a:avLst/>
+          </a:prstGeom>
+          <a:noFill/>
+          <a:ln w="9525">
+            <a:noFill/>
+            <a:round/>
+            <a:headEnd/>
+            <a:tailEnd/>
+          </a:ln>
+          <a:effectLst/>
+        </p:spPr>
+        <p:txBody>
+          <a:bodyPr lIns="90000" tIns="45000" rIns="90000" bIns="45000"/>
+          <a:lstStyle/>
+          <a:p>
+            <a:pPr marL="360000" indent="-360000" defTabSz="914400" fontAlgn="auto">
+              <a:spcBef>
+                <a:spcPts val="1200"/>
+              </a:spcBef>
+              <a:spcAft>
+                <a:spcPts val="0"/>
+              </a:spcAft>
+              <a:buClr>
+                <a:prstClr val="white"/>
+              </a:buClr>
+              <a:buFont typeface="Arial" pitchFamily="34" charset="0"/>
+              <a:buChar char="–"/>
+              <a:tabLst>
+                <a:tab pos="723900" algn="l"/>
+                <a:tab pos="1447800" algn="l"/>
+                <a:tab pos="2171700" algn="l"/>
+                <a:tab pos="2895600" algn="l"/>
+                <a:tab pos="3619500" algn="l"/>
+                <a:tab pos="4343400" algn="l"/>
+                <a:tab pos="5067300" algn="l"/>
+                <a:tab pos="5791200" algn="l"/>
+                <a:tab pos="6515100" algn="l"/>
+                <a:tab pos="7239000" algn="l"/>
+                <a:tab pos="7962900" algn="l"/>
+                <a:tab pos="8686800" algn="l"/>
+              </a:tabLst>
+            </a:pPr>
+            <a:r>
+              <a:rPr lang="hr-HR" sz="2400" dirty="0" smtClean="0">
+                <a:solidFill>
+                  <a:prstClr val="white"/>
+                </a:solidFill>
+                <a:latin typeface="Calibri" pitchFamily="34" charset="0"/>
+                <a:cs typeface="Calibri" pitchFamily="34" charset="0"/>
+              </a:rPr>
+              <a:t>OBITELJ I BRAK  - TEORIJE I OBJAŠNJENJE </a:t>
+            </a:r>
+            <a:r>
+              <a:rPr lang="hr-HR" dirty="0" smtClean="0">
+                <a:solidFill>
+                  <a:prstClr val="white"/>
+                </a:solidFill>
+                <a:latin typeface="Calibri" pitchFamily="34" charset="0"/>
+                <a:cs typeface="Calibri" pitchFamily="34" charset="0"/>
+              </a:rPr>
+              <a:t>(10:59 </a:t>
+            </a:r>
+            <a:r>
+              <a:rPr lang="hr-HR" dirty="0">
+                <a:solidFill>
+                  <a:prstClr val="white"/>
+                </a:solidFill>
+                <a:latin typeface="Calibri" pitchFamily="34" charset="0"/>
+                <a:cs typeface="Calibri" pitchFamily="34" charset="0"/>
+              </a:rPr>
+              <a:t>min)</a:t>
+            </a:r>
+            <a:endParaRPr lang="hr-HR" dirty="0" smtClean="0">
+              <a:solidFill>
+                <a:prstClr val="white"/>
+              </a:solidFill>
+              <a:latin typeface="Calibri" pitchFamily="34" charset="0"/>
+              <a:cs typeface="Calibri" pitchFamily="34" charset="0"/>
+            </a:endParaRPr>
+          </a:p>
+          <a:p>
+            <a:pPr marL="817200" lvl="1" indent="-360000" defTabSz="914400" fontAlgn="auto">
+              <a:spcBef>
+                <a:spcPts val="600"/>
+              </a:spcBef>
+              <a:spcAft>
+                <a:spcPts val="600"/>
+              </a:spcAft>
+              <a:buClr>
+                <a:prstClr val="white"/>
+              </a:buClr>
+              <a:buFont typeface="Arial" pitchFamily="34" charset="0"/>
+              <a:buChar char="–"/>
+              <a:tabLst>
+                <a:tab pos="723900" algn="l"/>
+                <a:tab pos="1447800" algn="l"/>
+                <a:tab pos="2171700" algn="l"/>
+                <a:tab pos="2895600" algn="l"/>
+                <a:tab pos="3619500" algn="l"/>
+                <a:tab pos="4343400" algn="l"/>
+                <a:tab pos="5067300" algn="l"/>
+                <a:tab pos="5791200" algn="l"/>
+                <a:tab pos="6515100" algn="l"/>
+                <a:tab pos="7239000" algn="l"/>
+                <a:tab pos="7962900" algn="l"/>
+                <a:tab pos="8686800" algn="l"/>
+              </a:tabLst>
+            </a:pPr>
+            <a:r>
+              <a:rPr lang="hr-HR" sz="2000" dirty="0">
+                <a:solidFill>
+                  <a:schemeClr val="bg1">
+                    <a:lumMod val="65000"/>
+                    <a:lumOff val="35000"/>
+                  </a:schemeClr>
+                </a:solidFill>
+                <a:highlight>
+                  <a:srgbClr val="FFFF00"/>
+                </a:highlight>
+                <a:latin typeface="Calibri"/>
+                <a:ea typeface="Calibri"/>
+                <a:cs typeface="Times New Roman"/>
+              </a:rPr>
+              <a:t>https://</a:t>
+            </a:r>
+            <a:r>
+              <a:rPr lang="hr-HR" sz="2000" dirty="0" smtClean="0">
+                <a:solidFill>
+                  <a:schemeClr val="bg1">
+                    <a:lumMod val="65000"/>
+                    <a:lumOff val="35000"/>
+                  </a:schemeClr>
+                </a:solidFill>
+                <a:highlight>
+                  <a:srgbClr val="FFFF00"/>
+                </a:highlight>
+                <a:latin typeface="Calibri"/>
+                <a:ea typeface="Calibri"/>
+                <a:cs typeface="Times New Roman"/>
+              </a:rPr>
+              <a:t>youtu.be/yaeiCEro0iU?list=PL8dPuuaLjXtMJ-AfB_7J1538YKWkZAnGA</a:t>
+            </a:r>
+          </a:p>
+        </p:txBody>
+      </p:sp>
+      <p:cxnSp>
+        <p:nvCxnSpPr>
+          <p:cNvPr id="3" name="Straight Connector 2"/>
+          <p:cNvCxnSpPr/>
+          <p:nvPr/>
+        </p:nvCxnSpPr>
+        <p:spPr bwMode="auto">
+          <a:xfrm>
+            <a:off x="260012" y="786476"/>
+            <a:ext cx="8551969" cy="0"/>
+          </a:xfrm>
+          <a:prstGeom prst="line">
+            <a:avLst/>
+          </a:prstGeom>
+          <a:solidFill>
+            <a:srgbClr val="00B8FF"/>
+          </a:solidFill>
+          <a:ln w="19050" cap="flat" cmpd="sng" algn="ctr">
+            <a:solidFill>
+              <a:schemeClr val="tx1"/>
+            </a:solidFill>
+            <a:prstDash val="solid"/>
+            <a:round/>
+            <a:headEnd type="none" w="med" len="med"/>
+            <a:tailEnd type="none" w="med" len="med"/>
+          </a:ln>
+          <a:effectLst/>
+        </p:spPr>
+      </p:cxnSp>
+    </p:spTree>
+    <p:extLst>
+      <p:ext uri="{BB962C8B-B14F-4D97-AF65-F5344CB8AC3E}">
+        <p14:creationId xmlns:p14="http://schemas.microsoft.com/office/powerpoint/2010/main" val="2529568340"/>
+      </p:ext>
+    </p:extLst>
+  </p:cSld>
+  <p:clrMapOvr>
+    <a:masterClrMapping/>
+  </p:clrMapOvr>
+  <mc:AlternateContent xmlns:mc="http://schemas.openxmlformats.org/markup-compatibility/2006" xmlns:p14="http://schemas.microsoft.com/office/powerpoint/2010/main">
+    <mc:Choice Requires="p14">
+      <p:transition>
+        <p14:reveal/>
+      </p:transition>
+    </mc:Choice>
+    <mc:Fallback xmlns="">
+      <p:transition>
+        <p:fade/>
+      </p:transition>
+    </mc:Fallback>
+  </mc:AlternateContent>
+  <p:timing>
+    <p:tnLst>
+      <p:par>
+        <p:cTn id="1" dur="indefinite" restart="never" nodeType="tmRoot"/>
+      </p:par>
+    </p:tnLst>
   </p:timing>
 </p:sld>
 </file>
@@ -30801,13 +31278,13 @@
   <p:clrMapOvr>
     <a:masterClrMapping/>
   </p:clrMapOvr>
-  <mc:AlternateContent xmlns:mc="http://schemas.openxmlformats.org/markup-compatibility/2006">
-    <mc:Choice xmlns:p14="http://schemas.microsoft.com/office/powerpoint/2010/main" Requires="p14">
+  <mc:AlternateContent xmlns:mc="http://schemas.openxmlformats.org/markup-compatibility/2006" xmlns:p14="http://schemas.microsoft.com/office/powerpoint/2010/main">
+    <mc:Choice Requires="p14">
       <p:transition>
         <p14:reveal/>
       </p:transition>
     </mc:Choice>
-    <mc:Fallback>
+    <mc:Fallback xmlns="">
       <p:transition>
         <p:fade/>
       </p:transition>
